--- a/Image/sprite.pptx
+++ b/Image/sprite.pptx
@@ -260,7 +260,7 @@
           <a:p>
             <a:fld id="{E6072A57-0566-4582-B21F-37DE28A1200C}" type="datetimeFigureOut">
               <a:rPr lang="ko-KR" altLang="en-US" smtClean="0"/>
-              <a:t>2024-10-19</a:t>
+              <a:t>2024-11-08</a:t>
             </a:fld>
             <a:endParaRPr lang="ko-KR" altLang="en-US"/>
           </a:p>
@@ -458,7 +458,7 @@
           <a:p>
             <a:fld id="{E6072A57-0566-4582-B21F-37DE28A1200C}" type="datetimeFigureOut">
               <a:rPr lang="ko-KR" altLang="en-US" smtClean="0"/>
-              <a:t>2024-10-19</a:t>
+              <a:t>2024-11-08</a:t>
             </a:fld>
             <a:endParaRPr lang="ko-KR" altLang="en-US"/>
           </a:p>
@@ -666,7 +666,7 @@
           <a:p>
             <a:fld id="{E6072A57-0566-4582-B21F-37DE28A1200C}" type="datetimeFigureOut">
               <a:rPr lang="ko-KR" altLang="en-US" smtClean="0"/>
-              <a:t>2024-10-19</a:t>
+              <a:t>2024-11-08</a:t>
             </a:fld>
             <a:endParaRPr lang="ko-KR" altLang="en-US"/>
           </a:p>
@@ -864,7 +864,7 @@
           <a:p>
             <a:fld id="{E6072A57-0566-4582-B21F-37DE28A1200C}" type="datetimeFigureOut">
               <a:rPr lang="ko-KR" altLang="en-US" smtClean="0"/>
-              <a:t>2024-10-19</a:t>
+              <a:t>2024-11-08</a:t>
             </a:fld>
             <a:endParaRPr lang="ko-KR" altLang="en-US"/>
           </a:p>
@@ -1139,7 +1139,7 @@
           <a:p>
             <a:fld id="{E6072A57-0566-4582-B21F-37DE28A1200C}" type="datetimeFigureOut">
               <a:rPr lang="ko-KR" altLang="en-US" smtClean="0"/>
-              <a:t>2024-10-19</a:t>
+              <a:t>2024-11-08</a:t>
             </a:fld>
             <a:endParaRPr lang="ko-KR" altLang="en-US"/>
           </a:p>
@@ -1404,7 +1404,7 @@
           <a:p>
             <a:fld id="{E6072A57-0566-4582-B21F-37DE28A1200C}" type="datetimeFigureOut">
               <a:rPr lang="ko-KR" altLang="en-US" smtClean="0"/>
-              <a:t>2024-10-19</a:t>
+              <a:t>2024-11-08</a:t>
             </a:fld>
             <a:endParaRPr lang="ko-KR" altLang="en-US"/>
           </a:p>
@@ -1816,7 +1816,7 @@
           <a:p>
             <a:fld id="{E6072A57-0566-4582-B21F-37DE28A1200C}" type="datetimeFigureOut">
               <a:rPr lang="ko-KR" altLang="en-US" smtClean="0"/>
-              <a:t>2024-10-19</a:t>
+              <a:t>2024-11-08</a:t>
             </a:fld>
             <a:endParaRPr lang="ko-KR" altLang="en-US"/>
           </a:p>
@@ -1957,7 +1957,7 @@
           <a:p>
             <a:fld id="{E6072A57-0566-4582-B21F-37DE28A1200C}" type="datetimeFigureOut">
               <a:rPr lang="ko-KR" altLang="en-US" smtClean="0"/>
-              <a:t>2024-10-19</a:t>
+              <a:t>2024-11-08</a:t>
             </a:fld>
             <a:endParaRPr lang="ko-KR" altLang="en-US"/>
           </a:p>
@@ -2070,7 +2070,7 @@
           <a:p>
             <a:fld id="{E6072A57-0566-4582-B21F-37DE28A1200C}" type="datetimeFigureOut">
               <a:rPr lang="ko-KR" altLang="en-US" smtClean="0"/>
-              <a:t>2024-10-19</a:t>
+              <a:t>2024-11-08</a:t>
             </a:fld>
             <a:endParaRPr lang="ko-KR" altLang="en-US"/>
           </a:p>
@@ -2381,7 +2381,7 @@
           <a:p>
             <a:fld id="{E6072A57-0566-4582-B21F-37DE28A1200C}" type="datetimeFigureOut">
               <a:rPr lang="ko-KR" altLang="en-US" smtClean="0"/>
-              <a:t>2024-10-19</a:t>
+              <a:t>2024-11-08</a:t>
             </a:fld>
             <a:endParaRPr lang="ko-KR" altLang="en-US"/>
           </a:p>
@@ -2669,7 +2669,7 @@
           <a:p>
             <a:fld id="{E6072A57-0566-4582-B21F-37DE28A1200C}" type="datetimeFigureOut">
               <a:rPr lang="ko-KR" altLang="en-US" smtClean="0"/>
-              <a:t>2024-10-19</a:t>
+              <a:t>2024-11-08</a:t>
             </a:fld>
             <a:endParaRPr lang="ko-KR" altLang="en-US"/>
           </a:p>
@@ -2910,7 +2910,7 @@
           <a:p>
             <a:fld id="{E6072A57-0566-4582-B21F-37DE28A1200C}" type="datetimeFigureOut">
               <a:rPr lang="ko-KR" altLang="en-US" smtClean="0"/>
-              <a:t>2024-10-19</a:t>
+              <a:t>2024-11-08</a:t>
             </a:fld>
             <a:endParaRPr lang="ko-KR" altLang="en-US"/>
           </a:p>
@@ -3355,7 +3355,7 @@
         </p:blipFill>
         <p:spPr>
           <a:xfrm>
-            <a:off x="161925" y="114300"/>
+            <a:off x="-1219200" y="-914400"/>
             <a:ext cx="11308080" cy="14135100"/>
           </a:xfrm>
           <a:prstGeom prst="rect">

--- a/Image/sprite.pptx
+++ b/Image/sprite.pptx
@@ -260,7 +260,7 @@
           <a:p>
             <a:fld id="{E6072A57-0566-4582-B21F-37DE28A1200C}" type="datetimeFigureOut">
               <a:rPr lang="ko-KR" altLang="en-US" smtClean="0"/>
-              <a:t>2024-11-08</a:t>
+              <a:t>2024-11-12</a:t>
             </a:fld>
             <a:endParaRPr lang="ko-KR" altLang="en-US"/>
           </a:p>
@@ -458,7 +458,7 @@
           <a:p>
             <a:fld id="{E6072A57-0566-4582-B21F-37DE28A1200C}" type="datetimeFigureOut">
               <a:rPr lang="ko-KR" altLang="en-US" smtClean="0"/>
-              <a:t>2024-11-08</a:t>
+              <a:t>2024-11-12</a:t>
             </a:fld>
             <a:endParaRPr lang="ko-KR" altLang="en-US"/>
           </a:p>
@@ -666,7 +666,7 @@
           <a:p>
             <a:fld id="{E6072A57-0566-4582-B21F-37DE28A1200C}" type="datetimeFigureOut">
               <a:rPr lang="ko-KR" altLang="en-US" smtClean="0"/>
-              <a:t>2024-11-08</a:t>
+              <a:t>2024-11-12</a:t>
             </a:fld>
             <a:endParaRPr lang="ko-KR" altLang="en-US"/>
           </a:p>
@@ -864,7 +864,7 @@
           <a:p>
             <a:fld id="{E6072A57-0566-4582-B21F-37DE28A1200C}" type="datetimeFigureOut">
               <a:rPr lang="ko-KR" altLang="en-US" smtClean="0"/>
-              <a:t>2024-11-08</a:t>
+              <a:t>2024-11-12</a:t>
             </a:fld>
             <a:endParaRPr lang="ko-KR" altLang="en-US"/>
           </a:p>
@@ -1139,7 +1139,7 @@
           <a:p>
             <a:fld id="{E6072A57-0566-4582-B21F-37DE28A1200C}" type="datetimeFigureOut">
               <a:rPr lang="ko-KR" altLang="en-US" smtClean="0"/>
-              <a:t>2024-11-08</a:t>
+              <a:t>2024-11-12</a:t>
             </a:fld>
             <a:endParaRPr lang="ko-KR" altLang="en-US"/>
           </a:p>
@@ -1404,7 +1404,7 @@
           <a:p>
             <a:fld id="{E6072A57-0566-4582-B21F-37DE28A1200C}" type="datetimeFigureOut">
               <a:rPr lang="ko-KR" altLang="en-US" smtClean="0"/>
-              <a:t>2024-11-08</a:t>
+              <a:t>2024-11-12</a:t>
             </a:fld>
             <a:endParaRPr lang="ko-KR" altLang="en-US"/>
           </a:p>
@@ -1816,7 +1816,7 @@
           <a:p>
             <a:fld id="{E6072A57-0566-4582-B21F-37DE28A1200C}" type="datetimeFigureOut">
               <a:rPr lang="ko-KR" altLang="en-US" smtClean="0"/>
-              <a:t>2024-11-08</a:t>
+              <a:t>2024-11-12</a:t>
             </a:fld>
             <a:endParaRPr lang="ko-KR" altLang="en-US"/>
           </a:p>
@@ -1957,7 +1957,7 @@
           <a:p>
             <a:fld id="{E6072A57-0566-4582-B21F-37DE28A1200C}" type="datetimeFigureOut">
               <a:rPr lang="ko-KR" altLang="en-US" smtClean="0"/>
-              <a:t>2024-11-08</a:t>
+              <a:t>2024-11-12</a:t>
             </a:fld>
             <a:endParaRPr lang="ko-KR" altLang="en-US"/>
           </a:p>
@@ -2070,7 +2070,7 @@
           <a:p>
             <a:fld id="{E6072A57-0566-4582-B21F-37DE28A1200C}" type="datetimeFigureOut">
               <a:rPr lang="ko-KR" altLang="en-US" smtClean="0"/>
-              <a:t>2024-11-08</a:t>
+              <a:t>2024-11-12</a:t>
             </a:fld>
             <a:endParaRPr lang="ko-KR" altLang="en-US"/>
           </a:p>
@@ -2381,7 +2381,7 @@
           <a:p>
             <a:fld id="{E6072A57-0566-4582-B21F-37DE28A1200C}" type="datetimeFigureOut">
               <a:rPr lang="ko-KR" altLang="en-US" smtClean="0"/>
-              <a:t>2024-11-08</a:t>
+              <a:t>2024-11-12</a:t>
             </a:fld>
             <a:endParaRPr lang="ko-KR" altLang="en-US"/>
           </a:p>
@@ -2669,7 +2669,7 @@
           <a:p>
             <a:fld id="{E6072A57-0566-4582-B21F-37DE28A1200C}" type="datetimeFigureOut">
               <a:rPr lang="ko-KR" altLang="en-US" smtClean="0"/>
-              <a:t>2024-11-08</a:t>
+              <a:t>2024-11-12</a:t>
             </a:fld>
             <a:endParaRPr lang="ko-KR" altLang="en-US"/>
           </a:p>
@@ -2910,7 +2910,7 @@
           <a:p>
             <a:fld id="{E6072A57-0566-4582-B21F-37DE28A1200C}" type="datetimeFigureOut">
               <a:rPr lang="ko-KR" altLang="en-US" smtClean="0"/>
-              <a:t>2024-11-08</a:t>
+              <a:t>2024-11-12</a:t>
             </a:fld>
             <a:endParaRPr lang="ko-KR" altLang="en-US"/>
           </a:p>
@@ -3393,6 +3393,36 @@
           <a:chExt cx="0" cy="0"/>
         </a:xfrm>
       </p:grpSpPr>
+      <p:pic>
+        <p:nvPicPr>
+          <p:cNvPr id="3" name="그림 2">
+            <a:extLst>
+              <a:ext uri="{FF2B5EF4-FFF2-40B4-BE49-F238E27FC236}">
+                <a16:creationId xmlns:a16="http://schemas.microsoft.com/office/drawing/2014/main" id="{D213CE16-9064-BE9D-1144-352B516B89B9}"/>
+              </a:ext>
+            </a:extLst>
+          </p:cNvPr>
+          <p:cNvPicPr>
+            <a:picLocks noChangeAspect="1"/>
+          </p:cNvPicPr>
+          <p:nvPr/>
+        </p:nvPicPr>
+        <p:blipFill>
+          <a:blip r:embed="rId2"/>
+          <a:stretch>
+            <a:fillRect/>
+          </a:stretch>
+        </p:blipFill>
+        <p:spPr>
+          <a:xfrm>
+            <a:off x="3450712" y="3143624"/>
+            <a:ext cx="1152686" cy="847843"/>
+          </a:xfrm>
+          <a:prstGeom prst="rect">
+            <a:avLst/>
+          </a:prstGeom>
+        </p:spPr>
+      </p:pic>
     </p:spTree>
     <p:extLst>
       <p:ext uri="{BB962C8B-B14F-4D97-AF65-F5344CB8AC3E}">
